--- a/DataGovernanceProposal.pptx
+++ b/DataGovernanceProposal.pptx
@@ -8,7 +8,7 @@
     <p:sldMasterId id="2147483697" r:id="rId4"/>
   </p:sldMasterIdLst>
   <p:notesMasterIdLst>
-    <p:notesMasterId r:id="rId21"/>
+    <p:notesMasterId r:id="rId22"/>
   </p:notesMasterIdLst>
   <p:sldIdLst>
     <p:sldId id="256" r:id="rId5"/>
@@ -27,30 +27,31 @@
     <p:sldId id="274" r:id="rId18"/>
     <p:sldId id="275" r:id="rId19"/>
     <p:sldId id="276" r:id="rId20"/>
+    <p:sldId id="277" r:id="rId21"/>
   </p:sldIdLst>
   <p:sldSz cx="7772400" cy="10058400"/>
   <p:notesSz cx="6858000" cy="9144000"/>
   <p:embeddedFontLst>
     <p:embeddedFont>
       <p:font typeface="Helvetica Neue" panose="020B0604020202020204" charset="0"/>
-      <p:regular r:id="rId22"/>
-      <p:bold r:id="rId23"/>
-      <p:italic r:id="rId24"/>
-      <p:boldItalic r:id="rId25"/>
+      <p:regular r:id="rId23"/>
+      <p:bold r:id="rId24"/>
+      <p:italic r:id="rId25"/>
+      <p:boldItalic r:id="rId26"/>
     </p:embeddedFont>
     <p:embeddedFont>
       <p:font typeface="Open Sans" panose="020B0606030504020204" pitchFamily="34" charset="0"/>
-      <p:regular r:id="rId26"/>
-      <p:bold r:id="rId27"/>
-      <p:italic r:id="rId28"/>
-      <p:boldItalic r:id="rId29"/>
+      <p:regular r:id="rId27"/>
+      <p:bold r:id="rId28"/>
+      <p:italic r:id="rId29"/>
+      <p:boldItalic r:id="rId30"/>
     </p:embeddedFont>
     <p:embeddedFont>
-      <p:font typeface="Open Sans Light" panose="020F0502020204030204" pitchFamily="34" charset="0"/>
-      <p:regular r:id="rId30"/>
-      <p:bold r:id="rId31"/>
-      <p:italic r:id="rId32"/>
-      <p:boldItalic r:id="rId33"/>
+      <p:font typeface="Open Sans Light" panose="020B0306030504020204" pitchFamily="34" charset="0"/>
+      <p:regular r:id="rId31"/>
+      <p:bold r:id="rId32"/>
+      <p:italic r:id="rId33"/>
+      <p:boldItalic r:id="rId34"/>
     </p:embeddedFont>
   </p:embeddedFontLst>
   <p:defaultTextStyle>
@@ -1568,6 +1569,115 @@
         </p:txBody>
       </p:sp>
     </p:spTree>
+  </p:cSld>
+  <p:clrMapOvr>
+    <a:masterClrMapping/>
+  </p:clrMapOvr>
+</p:notes>
+</file>
+
+<file path=ppt/notesSlides/notesSlide17.xml><?xml version="1.0" encoding="utf-8"?>
+<p:notes xmlns:a="http://schemas.openxmlformats.org/drawingml/2006/main" xmlns:r="http://schemas.openxmlformats.org/officeDocument/2006/relationships" xmlns:p="http://schemas.openxmlformats.org/presentationml/2006/main" showMasterSp="0" showMasterPhAnim="0">
+  <p:cSld>
+    <p:spTree>
+      <p:nvGrpSpPr>
+        <p:cNvPr id="1" name="Shape 299"/>
+        <p:cNvGrpSpPr/>
+        <p:nvPr/>
+      </p:nvGrpSpPr>
+      <p:grpSpPr>
+        <a:xfrm>
+          <a:off x="0" y="0"/>
+          <a:ext cx="0" cy="0"/>
+          <a:chOff x="0" y="0"/>
+          <a:chExt cx="0" cy="0"/>
+        </a:xfrm>
+      </p:grpSpPr>
+      <p:sp>
+        <p:nvSpPr>
+          <p:cNvPr id="300" name="Google Shape;300;g9c24cf9085_0_45:notes"/>
+          <p:cNvSpPr>
+            <a:spLocks noGrp="1" noRot="1" noChangeAspect="1"/>
+          </p:cNvSpPr>
+          <p:nvPr>
+            <p:ph type="sldImg" idx="2"/>
+          </p:nvPr>
+        </p:nvSpPr>
+        <p:spPr>
+          <a:xfrm>
+            <a:off x="2105025" y="685800"/>
+            <a:ext cx="2649538" cy="3429000"/>
+          </a:xfrm>
+          <a:custGeom>
+            <a:avLst/>
+            <a:gdLst/>
+            <a:ahLst/>
+            <a:cxnLst/>
+            <a:rect l="l" t="t" r="r" b="b"/>
+            <a:pathLst>
+              <a:path w="120000" h="120000" extrusionOk="0">
+                <a:moveTo>
+                  <a:pt x="0" y="0"/>
+                </a:moveTo>
+                <a:lnTo>
+                  <a:pt x="120000" y="0"/>
+                </a:lnTo>
+                <a:lnTo>
+                  <a:pt x="120000" y="120000"/>
+                </a:lnTo>
+                <a:lnTo>
+                  <a:pt x="0" y="120000"/>
+                </a:lnTo>
+                <a:close/>
+              </a:path>
+            </a:pathLst>
+          </a:custGeom>
+        </p:spPr>
+      </p:sp>
+      <p:sp>
+        <p:nvSpPr>
+          <p:cNvPr id="301" name="Google Shape;301;g9c24cf9085_0_45:notes"/>
+          <p:cNvSpPr txBox="1">
+            <a:spLocks noGrp="1"/>
+          </p:cNvSpPr>
+          <p:nvPr>
+            <p:ph type="body" idx="1"/>
+          </p:nvPr>
+        </p:nvSpPr>
+        <p:spPr>
+          <a:xfrm>
+            <a:off x="685800" y="4343400"/>
+            <a:ext cx="5486400" cy="4114800"/>
+          </a:xfrm>
+          <a:prstGeom prst="rect">
+            <a:avLst/>
+          </a:prstGeom>
+        </p:spPr>
+        <p:txBody>
+          <a:bodyPr spcFirstLastPara="1" wrap="square" lIns="91425" tIns="91425" rIns="91425" bIns="91425" anchor="t" anchorCtr="0">
+            <a:noAutofit/>
+          </a:bodyPr>
+          <a:lstStyle/>
+          <a:p>
+            <a:pPr marL="0" lvl="0" indent="0" algn="l" rtl="0">
+              <a:spcBef>
+                <a:spcPts val="0"/>
+              </a:spcBef>
+              <a:spcAft>
+                <a:spcPts val="0"/>
+              </a:spcAft>
+              <a:buNone/>
+            </a:pPr>
+            <a:endParaRPr/>
+          </a:p>
+        </p:txBody>
+      </p:sp>
+    </p:spTree>
+    <p:extLst>
+      <p:ext uri="{BB962C8B-B14F-4D97-AF65-F5344CB8AC3E}">
+        <p14:creationId xmlns:p14="http://schemas.microsoft.com/office/powerpoint/2010/main" val="1435671283"/>
+      </p:ext>
+    </p:extLst>
   </p:cSld>
   <p:clrMapOvr>
     <a:masterClrMapping/>
@@ -29688,20 +29798,8 @@
             </a:r>
           </a:p>
           <a:p>
-            <a:pPr marL="0" lvl="0" indent="0" algn="just" rtl="0">
-              <a:lnSpc>
-                <a:spcPct val="170000"/>
-              </a:lnSpc>
-              <a:spcBef>
-                <a:spcPts val="0"/>
-              </a:spcBef>
-              <a:spcAft>
-                <a:spcPts val="0"/>
-              </a:spcAft>
-              <a:buNone/>
-            </a:pPr>
             <a:r>
-              <a:rPr lang="en" sz="1600" b="1" dirty="0">
+              <a:rPr lang="en-US" sz="1600" b="1" dirty="0">
                 <a:solidFill>
                   <a:srgbClr val="525C65"/>
                 </a:solidFill>
@@ -29711,25 +29809,64 @@
                 <a:latin typeface="Open Sans"/>
                 <a:ea typeface="Open Sans"/>
                 <a:cs typeface="Open Sans"/>
-                <a:sym typeface="Open Sans"/>
               </a:rPr>
-              <a:t>Data Steward: </a:t>
+              <a:t>Data Stewards: </a:t>
             </a:r>
             <a:r>
-              <a:rPr lang="en" sz="1600" dirty="0">
+              <a:rPr lang="en-US" sz="1800" b="0" i="0" dirty="0">
                 <a:solidFill>
                   <a:srgbClr val="525C65"/>
                 </a:solidFill>
-                <a:highlight>
-                  <a:srgbClr val="FFFFFF"/>
-                </a:highlight>
-                <a:latin typeface="Open Sans"/>
-                <a:ea typeface="Open Sans"/>
-                <a:cs typeface="Open Sans"/>
-                <a:sym typeface="Open Sans"/>
+                <a:effectLst/>
+                <a:latin typeface="OpenSans-Regular"/>
               </a:rPr>
-              <a:t>The company need to hire an experienced data steward to lead the efforts in terms of Metadata and Master Data Management. </a:t>
+              <a:t>Establish a core team of stakeholders like Jessica who is working in our company for some time, and data stewards</a:t>
             </a:r>
+          </a:p>
+          <a:p>
+            <a:r>
+              <a:rPr lang="en-US" sz="1800" b="0" i="0" dirty="0">
+                <a:solidFill>
+                  <a:srgbClr val="525C65"/>
+                </a:solidFill>
+                <a:effectLst/>
+                <a:latin typeface="OpenSans-Regular"/>
+              </a:rPr>
+              <a:t>to create a data governance framework. This begins with an</a:t>
+            </a:r>
+          </a:p>
+          <a:p>
+            <a:r>
+              <a:rPr lang="en-US" sz="1800" b="0" i="0" dirty="0">
+                <a:solidFill>
+                  <a:srgbClr val="525C65"/>
+                </a:solidFill>
+                <a:effectLst/>
+                <a:latin typeface="OpenSans-Regular"/>
+              </a:rPr>
+              <a:t>audit to identify issues with current data management</a:t>
+            </a:r>
+          </a:p>
+          <a:p>
+            <a:r>
+              <a:rPr lang="en-US" sz="1800" b="0" i="0" dirty="0">
+                <a:solidFill>
+                  <a:srgbClr val="525C65"/>
+                </a:solidFill>
+                <a:effectLst/>
+                <a:latin typeface="OpenSans-Regular"/>
+              </a:rPr>
+              <a:t>policies and areas needing improvement.</a:t>
+            </a:r>
+            <a:r>
+              <a:rPr lang="en-US" sz="2000" dirty="0"/>
+              <a:t> </a:t>
+            </a:r>
+          </a:p>
+          <a:p>
+            <a:br>
+              <a:rPr lang="en-US" sz="2000" dirty="0"/>
+            </a:br>
             <a:endParaRPr lang="en" sz="1600" b="1" dirty="0">
               <a:solidFill>
                 <a:srgbClr val="525C65"/>
@@ -29798,6 +29935,434 @@
         </p:txBody>
       </p:sp>
     </p:spTree>
+  </p:cSld>
+  <p:clrMapOvr>
+    <a:masterClrMapping/>
+  </p:clrMapOvr>
+</p:sld>
+</file>
+
+<file path=ppt/slides/slide17.xml><?xml version="1.0" encoding="utf-8"?>
+<p:sld xmlns:a="http://schemas.openxmlformats.org/drawingml/2006/main" xmlns:r="http://schemas.openxmlformats.org/officeDocument/2006/relationships" xmlns:p="http://schemas.openxmlformats.org/presentationml/2006/main">
+  <p:cSld>
+    <p:spTree>
+      <p:nvGrpSpPr>
+        <p:cNvPr id="1" name="Shape 302"/>
+        <p:cNvGrpSpPr/>
+        <p:nvPr/>
+      </p:nvGrpSpPr>
+      <p:grpSpPr>
+        <a:xfrm>
+          <a:off x="0" y="0"/>
+          <a:ext cx="0" cy="0"/>
+          <a:chOff x="0" y="0"/>
+          <a:chExt cx="0" cy="0"/>
+        </a:xfrm>
+      </p:grpSpPr>
+      <p:sp>
+        <p:nvSpPr>
+          <p:cNvPr id="303" name="Google Shape;303;p71"/>
+          <p:cNvSpPr txBox="1"/>
+          <p:nvPr/>
+        </p:nvSpPr>
+        <p:spPr>
+          <a:xfrm>
+            <a:off x="457200" y="447674"/>
+            <a:ext cx="6842100" cy="8304440"/>
+          </a:xfrm>
+          <a:prstGeom prst="rect">
+            <a:avLst/>
+          </a:prstGeom>
+          <a:noFill/>
+          <a:ln>
+            <a:noFill/>
+          </a:ln>
+        </p:spPr>
+        <p:txBody>
+          <a:bodyPr spcFirstLastPara="1" wrap="square" lIns="91425" tIns="91425" rIns="91425" bIns="91425" anchor="t" anchorCtr="0">
+            <a:noAutofit/>
+          </a:bodyPr>
+          <a:lstStyle/>
+          <a:p>
+            <a:r>
+              <a:rPr lang="en-US" sz="1600" b="1" dirty="0">
+                <a:solidFill>
+                  <a:srgbClr val="525C65"/>
+                </a:solidFill>
+                <a:highlight>
+                  <a:srgbClr val="FFFFFF"/>
+                </a:highlight>
+                <a:latin typeface="Open Sans"/>
+                <a:ea typeface="Open Sans"/>
+                <a:cs typeface="Open Sans"/>
+              </a:rPr>
+              <a:t>Data Quality Assurance:</a:t>
+            </a:r>
+            <a:r>
+              <a:rPr lang="en-US" sz="1800" b="0" i="0" dirty="0">
+                <a:solidFill>
+                  <a:srgbClr val="525C65"/>
+                </a:solidFill>
+                <a:effectLst/>
+                <a:latin typeface="ArialMT"/>
+              </a:rPr>
+              <a:t> </a:t>
+            </a:r>
+            <a:r>
+              <a:rPr lang="en-US" sz="1800" b="0" i="0" dirty="0">
+                <a:solidFill>
+                  <a:srgbClr val="525C65"/>
+                </a:solidFill>
+                <a:effectLst/>
+                <a:latin typeface="OpenSans-Regular"/>
+              </a:rPr>
+              <a:t>Define the problems we are trying to solve better regulatory compliance, increased data security, and improved data quality</a:t>
+            </a:r>
+            <a:r>
+              <a:rPr lang="en-US" sz="1800" dirty="0">
+                <a:solidFill>
+                  <a:srgbClr val="525C65"/>
+                </a:solidFill>
+                <a:latin typeface="OpenSans-Regular"/>
+              </a:rPr>
+              <a:t>, </a:t>
+            </a:r>
+            <a:r>
+              <a:rPr lang="en-US" sz="1800" b="0" i="0" dirty="0">
+                <a:solidFill>
+                  <a:srgbClr val="525C65"/>
+                </a:solidFill>
+                <a:effectLst/>
+                <a:latin typeface="OpenSans-Regular"/>
+              </a:rPr>
+              <a:t> And determine what we need to change, such as</a:t>
+            </a:r>
+          </a:p>
+          <a:p>
+            <a:r>
+              <a:rPr lang="en-US" sz="1800" b="0" i="0" dirty="0">
+                <a:solidFill>
+                  <a:srgbClr val="525C65"/>
+                </a:solidFill>
+                <a:effectLst/>
+                <a:latin typeface="OpenSans-Regular"/>
+              </a:rPr>
+              <a:t>fine-tuning access rights, protecting sensitive data, or</a:t>
+            </a:r>
+          </a:p>
+          <a:p>
+            <a:r>
+              <a:rPr lang="en-US" sz="1800" b="0" i="0" dirty="0">
+                <a:solidFill>
+                  <a:srgbClr val="525C65"/>
+                </a:solidFill>
+                <a:effectLst/>
+                <a:latin typeface="OpenSans-Regular"/>
+              </a:rPr>
+              <a:t>consolidating data silos. Assess tools and skills in your team</a:t>
+            </a:r>
+          </a:p>
+          <a:p>
+            <a:r>
+              <a:rPr lang="en-US" sz="1800" b="0" i="0" dirty="0">
+                <a:solidFill>
+                  <a:srgbClr val="525C65"/>
+                </a:solidFill>
+                <a:effectLst/>
+                <a:latin typeface="OpenSans-Regular"/>
+              </a:rPr>
+              <a:t>will need to execute the data governance program. This may</a:t>
+            </a:r>
+          </a:p>
+          <a:p>
+            <a:r>
+              <a:rPr lang="en-US" sz="1800" b="0" i="0" dirty="0">
+                <a:solidFill>
+                  <a:srgbClr val="525C65"/>
+                </a:solidFill>
+                <a:effectLst/>
+                <a:latin typeface="OpenSans-Regular"/>
+              </a:rPr>
+              <a:t>include people with skills in data modeling, data cataloging,</a:t>
+            </a:r>
+          </a:p>
+          <a:p>
+            <a:r>
+              <a:rPr lang="en-US" sz="1800" b="0" i="0" dirty="0">
+                <a:solidFill>
+                  <a:srgbClr val="525C65"/>
+                </a:solidFill>
+                <a:effectLst/>
+                <a:latin typeface="OpenSans-Regular"/>
+              </a:rPr>
+              <a:t>data quality, and reporting. Due to the lack of suitable</a:t>
+            </a:r>
+          </a:p>
+          <a:p>
+            <a:r>
+              <a:rPr lang="en-US" sz="1800" b="0" i="0" dirty="0">
+                <a:solidFill>
+                  <a:srgbClr val="525C65"/>
+                </a:solidFill>
+                <a:effectLst/>
+                <a:latin typeface="OpenSans-Regular"/>
+              </a:rPr>
+              <a:t>persons in the current team of the company. I recommend starting the recruitment process for the above-mentioned positions immediately.</a:t>
+            </a:r>
+          </a:p>
+          <a:p>
+            <a:endParaRPr lang="en-US" sz="1800" b="0" i="0" dirty="0">
+              <a:solidFill>
+                <a:srgbClr val="525C65"/>
+              </a:solidFill>
+              <a:effectLst/>
+              <a:latin typeface="OpenSans-Regular"/>
+            </a:endParaRPr>
+          </a:p>
+          <a:p>
+            <a:r>
+              <a:rPr lang="en-US" sz="1600" b="1" dirty="0">
+                <a:solidFill>
+                  <a:srgbClr val="525C65"/>
+                </a:solidFill>
+                <a:highlight>
+                  <a:srgbClr val="FFFFFF"/>
+                </a:highlight>
+                <a:latin typeface="Open Sans"/>
+                <a:ea typeface="Open Sans"/>
+                <a:cs typeface="Open Sans"/>
+              </a:rPr>
+              <a:t>Data Administrator: </a:t>
+            </a:r>
+            <a:r>
+              <a:rPr lang="en-US" sz="1800" b="0" i="0" dirty="0">
+                <a:solidFill>
+                  <a:srgbClr val="525C65"/>
+                </a:solidFill>
+                <a:effectLst/>
+                <a:latin typeface="OpenSans-Regular"/>
+              </a:rPr>
+              <a:t>The primary task of this role will be to inventory our data to see what we have, how it’s classified, where it resides, who</a:t>
+            </a:r>
+          </a:p>
+          <a:p>
+            <a:r>
+              <a:rPr lang="en-US" sz="1800" b="0" i="0" dirty="0">
+                <a:solidFill>
+                  <a:srgbClr val="525C65"/>
+                </a:solidFill>
+                <a:effectLst/>
+                <a:latin typeface="OpenSans-Regular"/>
+              </a:rPr>
+              <a:t>can access it, and how it is used. Identify capabilities and gaps. Then figure out how to fill those gaps by hiring in-house specialists or by using a partner</a:t>
+            </a:r>
+            <a:r>
+              <a:rPr lang="en-US" sz="2000" dirty="0"/>
+              <a:t> </a:t>
+            </a:r>
+            <a:br>
+              <a:rPr lang="en-US" sz="2000" dirty="0"/>
+            </a:br>
+            <a:r>
+              <a:rPr lang="en-US" sz="1600" b="1" dirty="0">
+                <a:solidFill>
+                  <a:srgbClr val="525C65"/>
+                </a:solidFill>
+                <a:highlight>
+                  <a:srgbClr val="FFFFFF"/>
+                </a:highlight>
+                <a:latin typeface="Open Sans"/>
+                <a:ea typeface="Open Sans"/>
+                <a:cs typeface="Open Sans"/>
+              </a:rPr>
+              <a:t>Data Analyst: </a:t>
+            </a:r>
+            <a:r>
+              <a:rPr lang="en-US" sz="1800" dirty="0">
+                <a:solidFill>
+                  <a:srgbClr val="525C65"/>
+                </a:solidFill>
+                <a:latin typeface="OpenSans-Regular"/>
+              </a:rPr>
+              <a:t>Data Analysts often make recommendations about the methods and ways in which a company obtains and analyses data to improve quality and the efficiency of data systems. A Data Analyst job description should include, but not be limited to:</a:t>
+            </a:r>
+          </a:p>
+          <a:p>
+            <a:pPr algn="l">
+              <a:buFont typeface="Arial" panose="020B0604020202020204" pitchFamily="34" charset="0"/>
+              <a:buChar char="•"/>
+            </a:pPr>
+            <a:r>
+              <a:rPr lang="en-US" sz="1800" dirty="0">
+                <a:solidFill>
+                  <a:srgbClr val="525C65"/>
+                </a:solidFill>
+                <a:latin typeface="OpenSans-Regular"/>
+              </a:rPr>
+              <a:t>Collecting and interpreting data</a:t>
+            </a:r>
+          </a:p>
+          <a:p>
+            <a:pPr algn="l">
+              <a:buFont typeface="Arial" panose="020B0604020202020204" pitchFamily="34" charset="0"/>
+              <a:buChar char="•"/>
+            </a:pPr>
+            <a:r>
+              <a:rPr lang="en-US" sz="1800" dirty="0" err="1">
+                <a:solidFill>
+                  <a:srgbClr val="525C65"/>
+                </a:solidFill>
+                <a:latin typeface="OpenSans-Regular"/>
+              </a:rPr>
+              <a:t>Analysing</a:t>
+            </a:r>
+            <a:r>
+              <a:rPr lang="en-US" sz="1800" dirty="0">
+                <a:solidFill>
+                  <a:srgbClr val="525C65"/>
+                </a:solidFill>
+                <a:latin typeface="OpenSans-Regular"/>
+              </a:rPr>
+              <a:t> results</a:t>
+            </a:r>
+          </a:p>
+          <a:p>
+            <a:pPr algn="l">
+              <a:buFont typeface="Arial" panose="020B0604020202020204" pitchFamily="34" charset="0"/>
+              <a:buChar char="•"/>
+            </a:pPr>
+            <a:r>
+              <a:rPr lang="en-US" sz="1800" dirty="0">
+                <a:solidFill>
+                  <a:srgbClr val="525C65"/>
+                </a:solidFill>
+                <a:latin typeface="OpenSans-Regular"/>
+              </a:rPr>
+              <a:t>Reporting the results back to the relevant members of the business</a:t>
+            </a:r>
+          </a:p>
+          <a:p>
+            <a:pPr algn="l">
+              <a:buFont typeface="Arial" panose="020B0604020202020204" pitchFamily="34" charset="0"/>
+              <a:buChar char="•"/>
+            </a:pPr>
+            <a:r>
+              <a:rPr lang="en-US" sz="1800" dirty="0">
+                <a:solidFill>
+                  <a:srgbClr val="525C65"/>
+                </a:solidFill>
+                <a:latin typeface="OpenSans-Regular"/>
+              </a:rPr>
+              <a:t>Identifying patterns and trends in data sets</a:t>
+            </a:r>
+          </a:p>
+          <a:p>
+            <a:pPr algn="l">
+              <a:buFont typeface="Arial" panose="020B0604020202020204" pitchFamily="34" charset="0"/>
+              <a:buChar char="•"/>
+            </a:pPr>
+            <a:r>
+              <a:rPr lang="en-US" sz="1800" dirty="0">
+                <a:solidFill>
+                  <a:srgbClr val="525C65"/>
+                </a:solidFill>
+                <a:latin typeface="OpenSans-Regular"/>
+              </a:rPr>
+              <a:t>Working alongside teams within the business or the management team to establish business needs</a:t>
+            </a:r>
+          </a:p>
+          <a:p>
+            <a:pPr algn="l">
+              <a:buFont typeface="Arial" panose="020B0604020202020204" pitchFamily="34" charset="0"/>
+              <a:buChar char="•"/>
+            </a:pPr>
+            <a:r>
+              <a:rPr lang="en-US" sz="1800" dirty="0">
+                <a:solidFill>
+                  <a:srgbClr val="525C65"/>
+                </a:solidFill>
+                <a:latin typeface="OpenSans-Regular"/>
+              </a:rPr>
+              <a:t>Defining new data collection and analysis processes</a:t>
+            </a:r>
+          </a:p>
+          <a:p>
+            <a:br>
+              <a:rPr lang="en-US" sz="2000" dirty="0"/>
+            </a:br>
+            <a:endParaRPr lang="en" sz="1600" b="1" dirty="0">
+              <a:solidFill>
+                <a:srgbClr val="525C65"/>
+              </a:solidFill>
+              <a:highlight>
+                <a:srgbClr val="FFFFFF"/>
+              </a:highlight>
+              <a:latin typeface="Open Sans"/>
+              <a:ea typeface="Open Sans"/>
+              <a:cs typeface="Open Sans"/>
+              <a:sym typeface="Open Sans"/>
+            </a:endParaRPr>
+          </a:p>
+          <a:p>
+            <a:pPr marL="0" lvl="0" indent="0" algn="just" rtl="0">
+              <a:lnSpc>
+                <a:spcPct val="170000"/>
+              </a:lnSpc>
+              <a:spcBef>
+                <a:spcPts val="1100"/>
+              </a:spcBef>
+              <a:spcAft>
+                <a:spcPts val="0"/>
+              </a:spcAft>
+              <a:buNone/>
+            </a:pPr>
+            <a:endParaRPr sz="1600" dirty="0">
+              <a:solidFill>
+                <a:srgbClr val="525C65"/>
+              </a:solidFill>
+              <a:highlight>
+                <a:srgbClr val="FFFFFF"/>
+              </a:highlight>
+              <a:latin typeface="Open Sans"/>
+              <a:ea typeface="Open Sans"/>
+              <a:cs typeface="Open Sans"/>
+              <a:sym typeface="Open Sans"/>
+            </a:endParaRPr>
+          </a:p>
+          <a:p>
+            <a:pPr marL="0" lvl="0" indent="0" algn="just" rtl="0">
+              <a:lnSpc>
+                <a:spcPct val="170000"/>
+              </a:lnSpc>
+              <a:spcBef>
+                <a:spcPts val="1100"/>
+              </a:spcBef>
+              <a:spcAft>
+                <a:spcPts val="1100"/>
+              </a:spcAft>
+              <a:buNone/>
+            </a:pPr>
+            <a:endParaRPr sz="1600" dirty="0">
+              <a:solidFill>
+                <a:srgbClr val="525C65"/>
+              </a:solidFill>
+              <a:highlight>
+                <a:srgbClr val="FFFFFF"/>
+              </a:highlight>
+              <a:latin typeface="Open Sans"/>
+              <a:ea typeface="Open Sans"/>
+              <a:cs typeface="Open Sans"/>
+              <a:sym typeface="Open Sans"/>
+            </a:endParaRPr>
+          </a:p>
+        </p:txBody>
+      </p:sp>
+    </p:spTree>
+    <p:extLst>
+      <p:ext uri="{BB962C8B-B14F-4D97-AF65-F5344CB8AC3E}">
+        <p14:creationId xmlns:p14="http://schemas.microsoft.com/office/powerpoint/2010/main" val="610000665"/>
+      </p:ext>
+    </p:extLst>
   </p:cSld>
   <p:clrMapOvr>
     <a:masterClrMapping/>
@@ -31487,331 +32052,6 @@
           <a:chExt cx="0" cy="0"/>
         </a:xfrm>
       </p:grpSpPr>
-      <p:sp>
-        <p:nvSpPr>
-          <p:cNvPr id="10" name="Google Shape;263;p64">
-            <a:extLst>
-              <a:ext uri="{FF2B5EF4-FFF2-40B4-BE49-F238E27FC236}">
-                <a16:creationId xmlns:a16="http://schemas.microsoft.com/office/drawing/2014/main" id="{EF87873A-5D1F-7047-9C08-68C120614952}"/>
-              </a:ext>
-            </a:extLst>
-          </p:cNvPr>
-          <p:cNvSpPr txBox="1">
-            <a:spLocks/>
-          </p:cNvSpPr>
-          <p:nvPr/>
-        </p:nvSpPr>
-        <p:spPr>
-          <a:xfrm>
-            <a:off x="462665" y="3923237"/>
-            <a:ext cx="7534459" cy="2856020"/>
-          </a:xfrm>
-          <a:prstGeom prst="rect">
-            <a:avLst/>
-          </a:prstGeom>
-          <a:noFill/>
-          <a:ln>
-            <a:noFill/>
-          </a:ln>
-        </p:spPr>
-        <p:txBody>
-          <a:bodyPr spcFirstLastPara="1" wrap="square" lIns="91425" tIns="91425" rIns="91425" bIns="91425" anchor="t" anchorCtr="0">
-            <a:noAutofit/>
-          </a:bodyPr>
-          <a:lstStyle>
-            <a:defPPr marR="0" lvl="0" algn="l" rtl="0">
-              <a:lnSpc>
-                <a:spcPct val="100000"/>
-              </a:lnSpc>
-              <a:spcBef>
-                <a:spcPts val="0"/>
-              </a:spcBef>
-              <a:spcAft>
-                <a:spcPts val="0"/>
-              </a:spcAft>
-            </a:defPPr>
-            <a:lvl1pPr marL="457200" marR="0" lvl="0" indent="-419100" algn="l" rtl="0">
-              <a:lnSpc>
-                <a:spcPct val="115000"/>
-              </a:lnSpc>
-              <a:spcBef>
-                <a:spcPts val="0"/>
-              </a:spcBef>
-              <a:spcAft>
-                <a:spcPts val="0"/>
-              </a:spcAft>
-              <a:buClr>
-                <a:schemeClr val="dk2"/>
-              </a:buClr>
-              <a:buSzPts val="3000"/>
-              <a:buFont typeface="Open Sans Light"/>
-              <a:buChar char="●"/>
-              <a:defRPr sz="3000" b="0" i="0" u="none" strike="noStrike" cap="none">
-                <a:solidFill>
-                  <a:schemeClr val="dk2"/>
-                </a:solidFill>
-                <a:latin typeface="Open Sans Light"/>
-                <a:ea typeface="Open Sans Light"/>
-                <a:cs typeface="Open Sans Light"/>
-                <a:sym typeface="Open Sans Light"/>
-              </a:defRPr>
-            </a:lvl1pPr>
-            <a:lvl2pPr marL="914400" marR="0" lvl="1" indent="-381000" algn="l" rtl="0">
-              <a:lnSpc>
-                <a:spcPct val="115000"/>
-              </a:lnSpc>
-              <a:spcBef>
-                <a:spcPts val="1600"/>
-              </a:spcBef>
-              <a:spcAft>
-                <a:spcPts val="0"/>
-              </a:spcAft>
-              <a:buClr>
-                <a:schemeClr val="dk2"/>
-              </a:buClr>
-              <a:buSzPts val="2400"/>
-              <a:buFont typeface="Open Sans Light"/>
-              <a:buChar char="○"/>
-              <a:defRPr sz="2400" b="0" i="0" u="none" strike="noStrike" cap="none">
-                <a:solidFill>
-                  <a:schemeClr val="dk2"/>
-                </a:solidFill>
-                <a:latin typeface="Open Sans Light"/>
-                <a:ea typeface="Open Sans Light"/>
-                <a:cs typeface="Open Sans Light"/>
-                <a:sym typeface="Open Sans Light"/>
-              </a:defRPr>
-            </a:lvl2pPr>
-            <a:lvl3pPr marL="1371600" marR="0" lvl="2" indent="-342900" algn="l" rtl="0">
-              <a:lnSpc>
-                <a:spcPct val="115000"/>
-              </a:lnSpc>
-              <a:spcBef>
-                <a:spcPts val="1600"/>
-              </a:spcBef>
-              <a:spcAft>
-                <a:spcPts val="0"/>
-              </a:spcAft>
-              <a:buClr>
-                <a:schemeClr val="dk2"/>
-              </a:buClr>
-              <a:buSzPts val="1800"/>
-              <a:buFont typeface="Open Sans Light"/>
-              <a:buChar char="■"/>
-              <a:defRPr sz="1800" b="0" i="0" u="none" strike="noStrike" cap="none">
-                <a:solidFill>
-                  <a:schemeClr val="dk2"/>
-                </a:solidFill>
-                <a:latin typeface="Open Sans Light"/>
-                <a:ea typeface="Open Sans Light"/>
-                <a:cs typeface="Open Sans Light"/>
-                <a:sym typeface="Open Sans Light"/>
-              </a:defRPr>
-            </a:lvl3pPr>
-            <a:lvl4pPr marL="1828800" marR="0" lvl="3" indent="-317500" algn="l" rtl="0">
-              <a:lnSpc>
-                <a:spcPct val="115000"/>
-              </a:lnSpc>
-              <a:spcBef>
-                <a:spcPts val="1600"/>
-              </a:spcBef>
-              <a:spcAft>
-                <a:spcPts val="0"/>
-              </a:spcAft>
-              <a:buClr>
-                <a:schemeClr val="dk2"/>
-              </a:buClr>
-              <a:buSzPts val="1400"/>
-              <a:buFont typeface="Open Sans Light"/>
-              <a:buChar char="●"/>
-              <a:defRPr sz="1400" b="0" i="0" u="none" strike="noStrike" cap="none">
-                <a:solidFill>
-                  <a:schemeClr val="dk2"/>
-                </a:solidFill>
-                <a:latin typeface="Open Sans Light"/>
-                <a:ea typeface="Open Sans Light"/>
-                <a:cs typeface="Open Sans Light"/>
-                <a:sym typeface="Open Sans Light"/>
-              </a:defRPr>
-            </a:lvl4pPr>
-            <a:lvl5pPr marL="2286000" marR="0" lvl="4" indent="-317500" algn="l" rtl="0">
-              <a:lnSpc>
-                <a:spcPct val="115000"/>
-              </a:lnSpc>
-              <a:spcBef>
-                <a:spcPts val="1600"/>
-              </a:spcBef>
-              <a:spcAft>
-                <a:spcPts val="0"/>
-              </a:spcAft>
-              <a:buClr>
-                <a:schemeClr val="dk2"/>
-              </a:buClr>
-              <a:buSzPts val="1400"/>
-              <a:buFont typeface="Open Sans Light"/>
-              <a:buChar char="○"/>
-              <a:defRPr sz="1400" b="0" i="0" u="none" strike="noStrike" cap="none">
-                <a:solidFill>
-                  <a:schemeClr val="dk2"/>
-                </a:solidFill>
-                <a:latin typeface="Open Sans Light"/>
-                <a:ea typeface="Open Sans Light"/>
-                <a:cs typeface="Open Sans Light"/>
-                <a:sym typeface="Open Sans Light"/>
-              </a:defRPr>
-            </a:lvl5pPr>
-            <a:lvl6pPr marL="2743200" marR="0" lvl="5" indent="-317500" algn="l" rtl="0">
-              <a:lnSpc>
-                <a:spcPct val="115000"/>
-              </a:lnSpc>
-              <a:spcBef>
-                <a:spcPts val="1600"/>
-              </a:spcBef>
-              <a:spcAft>
-                <a:spcPts val="0"/>
-              </a:spcAft>
-              <a:buClr>
-                <a:schemeClr val="dk2"/>
-              </a:buClr>
-              <a:buSzPts val="1400"/>
-              <a:buFont typeface="Open Sans Light"/>
-              <a:buChar char="■"/>
-              <a:defRPr sz="1400" b="0" i="0" u="none" strike="noStrike" cap="none">
-                <a:solidFill>
-                  <a:schemeClr val="dk2"/>
-                </a:solidFill>
-                <a:latin typeface="Open Sans Light"/>
-                <a:ea typeface="Open Sans Light"/>
-                <a:cs typeface="Open Sans Light"/>
-                <a:sym typeface="Open Sans Light"/>
-              </a:defRPr>
-            </a:lvl6pPr>
-            <a:lvl7pPr marL="3200400" marR="0" lvl="6" indent="-317500" algn="l" rtl="0">
-              <a:lnSpc>
-                <a:spcPct val="115000"/>
-              </a:lnSpc>
-              <a:spcBef>
-                <a:spcPts val="1600"/>
-              </a:spcBef>
-              <a:spcAft>
-                <a:spcPts val="0"/>
-              </a:spcAft>
-              <a:buClr>
-                <a:schemeClr val="dk2"/>
-              </a:buClr>
-              <a:buSzPts val="1400"/>
-              <a:buFont typeface="Open Sans Light"/>
-              <a:buChar char="●"/>
-              <a:defRPr sz="1400" b="0" i="0" u="none" strike="noStrike" cap="none">
-                <a:solidFill>
-                  <a:schemeClr val="dk2"/>
-                </a:solidFill>
-                <a:latin typeface="Open Sans Light"/>
-                <a:ea typeface="Open Sans Light"/>
-                <a:cs typeface="Open Sans Light"/>
-                <a:sym typeface="Open Sans Light"/>
-              </a:defRPr>
-            </a:lvl7pPr>
-            <a:lvl8pPr marL="3657600" marR="0" lvl="7" indent="-317500" algn="l" rtl="0">
-              <a:lnSpc>
-                <a:spcPct val="115000"/>
-              </a:lnSpc>
-              <a:spcBef>
-                <a:spcPts val="1600"/>
-              </a:spcBef>
-              <a:spcAft>
-                <a:spcPts val="0"/>
-              </a:spcAft>
-              <a:buClr>
-                <a:schemeClr val="dk2"/>
-              </a:buClr>
-              <a:buSzPts val="1400"/>
-              <a:buFont typeface="Open Sans Light"/>
-              <a:buChar char="○"/>
-              <a:defRPr sz="1400" b="0" i="0" u="none" strike="noStrike" cap="none">
-                <a:solidFill>
-                  <a:schemeClr val="dk2"/>
-                </a:solidFill>
-                <a:latin typeface="Open Sans Light"/>
-                <a:ea typeface="Open Sans Light"/>
-                <a:cs typeface="Open Sans Light"/>
-                <a:sym typeface="Open Sans Light"/>
-              </a:defRPr>
-            </a:lvl8pPr>
-            <a:lvl9pPr marL="4114800" marR="0" lvl="8" indent="-317500" algn="l" rtl="0">
-              <a:lnSpc>
-                <a:spcPct val="115000"/>
-              </a:lnSpc>
-              <a:spcBef>
-                <a:spcPts val="1600"/>
-              </a:spcBef>
-              <a:spcAft>
-                <a:spcPts val="1600"/>
-              </a:spcAft>
-              <a:buClr>
-                <a:schemeClr val="dk2"/>
-              </a:buClr>
-              <a:buSzPts val="1400"/>
-              <a:buFont typeface="Open Sans Light"/>
-              <a:buChar char="■"/>
-              <a:defRPr sz="1400" b="0" i="0" u="none" strike="noStrike" cap="none">
-                <a:solidFill>
-                  <a:schemeClr val="dk2"/>
-                </a:solidFill>
-                <a:latin typeface="Open Sans Light"/>
-                <a:ea typeface="Open Sans Light"/>
-                <a:cs typeface="Open Sans Light"/>
-                <a:sym typeface="Open Sans Light"/>
-              </a:defRPr>
-            </a:lvl9pPr>
-          </a:lstStyle>
-          <a:p>
-            <a:pPr marL="0" indent="0">
-              <a:lnSpc>
-                <a:spcPct val="170000"/>
-              </a:lnSpc>
-              <a:spcBef>
-                <a:spcPts val="1100"/>
-              </a:spcBef>
-              <a:spcAft>
-                <a:spcPts val="1100"/>
-              </a:spcAft>
-              <a:buFont typeface="Open Sans Light"/>
-              <a:buNone/>
-            </a:pPr>
-            <a:r>
-              <a:rPr lang="en-US" sz="1600" dirty="0">
-                <a:solidFill>
-                  <a:srgbClr val="525C65"/>
-                </a:solidFill>
-                <a:highlight>
-                  <a:srgbClr val="FFFFFF"/>
-                </a:highlight>
-                <a:latin typeface="Open Sans"/>
-                <a:ea typeface="Open Sans"/>
-                <a:cs typeface="Open Sans"/>
-                <a:sym typeface="Open Sans"/>
-              </a:rPr>
-              <a:t> </a:t>
-            </a:r>
-            <a:r>
-              <a:rPr lang="en-US" sz="1600" b="1" dirty="0">
-                <a:solidFill>
-                  <a:srgbClr val="525C65"/>
-                </a:solidFill>
-                <a:highlight>
-                  <a:srgbClr val="FFFFFF"/>
-                </a:highlight>
-                <a:latin typeface="Open Sans"/>
-                <a:ea typeface="Open Sans"/>
-                <a:cs typeface="Open Sans"/>
-                <a:sym typeface="Open Sans"/>
-              </a:rPr>
-              <a:t>Items being measured:       % of Data filled (without nulls):     Nulls %:   </a:t>
-            </a:r>
-          </a:p>
-        </p:txBody>
-      </p:sp>
       <p:sp>
         <p:nvSpPr>
           <p:cNvPr id="263" name="Google Shape;263;p64"/>
@@ -32649,6 +32889,36 @@
           </a:p>
         </p:txBody>
       </p:sp>
+      <p:pic>
+        <p:nvPicPr>
+          <p:cNvPr id="3" name="Picture 2">
+            <a:extLst>
+              <a:ext uri="{FF2B5EF4-FFF2-40B4-BE49-F238E27FC236}">
+                <a16:creationId xmlns:a16="http://schemas.microsoft.com/office/drawing/2014/main" id="{1503D88A-994C-92B0-61D7-63F851D53E88}"/>
+              </a:ext>
+            </a:extLst>
+          </p:cNvPr>
+          <p:cNvPicPr>
+            <a:picLocks noChangeAspect="1"/>
+          </p:cNvPicPr>
+          <p:nvPr/>
+        </p:nvPicPr>
+        <p:blipFill>
+          <a:blip r:embed="rId3"/>
+          <a:stretch>
+            <a:fillRect/>
+          </a:stretch>
+        </p:blipFill>
+        <p:spPr>
+          <a:xfrm>
+            <a:off x="347662" y="2824162"/>
+            <a:ext cx="7077075" cy="4410075"/>
+          </a:xfrm>
+          <a:prstGeom prst="rect">
+            <a:avLst/>
+          </a:prstGeom>
+        </p:spPr>
+      </p:pic>
     </p:spTree>
   </p:cSld>
   <p:clrMapOvr>
